--- a/Presentation/5. Intelligence/Azure Machine Learning.pptx
+++ b/Presentation/5. Intelligence/Azure Machine Learning.pptx
@@ -228,7 +228,7 @@
           <a:p>
             <a:fld id="{C43EE7BA-76FB-4329-BE24-7D1B6CB9C38D}" type="datetimeFigureOut">
               <a:rPr lang="en-US" smtClean="0"/>
-              <a:t>5/25/2015</a:t>
+              <a:t>5/28/2015</a:t>
             </a:fld>
             <a:endParaRPr lang="en-US"/>
           </a:p>
@@ -643,7 +643,7 @@
                 </a:solidFill>
               </a:rPr>
               <a:pPr/>
-              <a:t>5/25/2015 4:21 PM</a:t>
+              <a:t>5/28/2015 3:33 PM</a:t>
             </a:fld>
             <a:endParaRPr lang="en-US" dirty="0">
               <a:solidFill>
@@ -5920,7 +5920,7 @@
           <a:graphicData uri="http://schemas.openxmlformats.org/presentationml/2006/ole">
             <mc:AlternateContent xmlns:mc="http://schemas.openxmlformats.org/markup-compatibility/2006">
               <mc:Choice xmlns:v="urn:schemas-microsoft-com:vml" Requires="v">
-                <p:oleObj spid="_x0000_s27772" name="think-cell Slide" r:id="rId4" imgW="360" imgH="360" progId="">
+                <p:oleObj spid="_x0000_s27773" name="think-cell Slide" r:id="rId4" imgW="360" imgH="360" progId="">
                   <p:embed/>
                 </p:oleObj>
               </mc:Choice>
@@ -6549,7 +6549,7 @@
           <a:p>
             <a:fld id="{4AAD347D-5ACD-4C99-B74B-A9C85AD731AF}" type="datetimeFigureOut">
               <a:rPr lang="en-US" dirty="0"/>
-              <a:t>5/25/2015</a:t>
+              <a:t>5/28/2015</a:t>
             </a:fld>
             <a:endParaRPr lang="en-US" dirty="0"/>
           </a:p>
@@ -6952,7 +6952,7 @@
           <a:p>
             <a:fld id="{9796027F-7875-4030-9381-8BD8C4F21935}" type="datetimeFigureOut">
               <a:rPr lang="en-US" dirty="0"/>
-              <a:t>5/25/2015</a:t>
+              <a:t>5/28/2015</a:t>
             </a:fld>
             <a:endParaRPr lang="en-US" dirty="0"/>
           </a:p>
@@ -9130,12 +9130,12 @@
           <a:lstStyle/>
           <a:p>
             <a:r>
-              <a:rPr lang="en-US" sz="4800" dirty="0"/>
-              <a:t>Apache </a:t>
+              <a:rPr lang="en-US" sz="4800" smtClean="0"/>
+              <a:t>Azure Machine </a:t>
             </a:r>
             <a:r>
               <a:rPr lang="en-US" sz="4800" dirty="0" smtClean="0"/>
-              <a:t>Machine Learning</a:t>
+              <a:t>Learning</a:t>
             </a:r>
             <a:endParaRPr lang="en-US" sz="4800" b="1" dirty="0"/>
           </a:p>
@@ -12173,6 +12173,21 @@
 </file>
 
 <file path=customXml/item1.xml><?xml version="1.0" encoding="utf-8"?>
+<p:properties xmlns:p="http://schemas.microsoft.com/office/2006/metadata/properties" xmlns:xsi="http://www.w3.org/2001/XMLSchema-instance" xmlns:pc="http://schemas.microsoft.com/office/infopath/2007/PartnerControls">
+  <documentManagement/>
+</p:properties>
+</file>
+
+<file path=customXml/item2.xml><?xml version="1.0" encoding="utf-8"?>
+<?mso-contentType ?>
+<FormTemplates xmlns="http://schemas.microsoft.com/sharepoint/v3/contenttype/forms">
+  <Display>DocumentLibraryForm</Display>
+  <Edit>DocumentLibraryForm</Edit>
+  <New>DocumentLibraryForm</New>
+</FormTemplates>
+</file>
+
+<file path=customXml/item3.xml><?xml version="1.0" encoding="utf-8"?>
 <ct:contentTypeSchema xmlns:ct="http://schemas.microsoft.com/office/2006/metadata/contentType" xmlns:ma="http://schemas.microsoft.com/office/2006/metadata/properties/metaAttributes" ct:_="" ma:_="" ma:contentTypeName="Document" ma:contentTypeID="0x0101009C259F80B481294EA2616764F5468028" ma:contentTypeVersion="3" ma:contentTypeDescription="Create a new document." ma:contentTypeScope="" ma:versionID="17b0ab71de516efa0448e332352d800e">
   <xsd:schema xmlns:xsd="http://www.w3.org/2001/XMLSchema" xmlns:xs="http://www.w3.org/2001/XMLSchema" xmlns:p="http://schemas.microsoft.com/office/2006/metadata/properties" xmlns:ns3="ca2d2b93-6fe1-4327-ad17-9a40d88b17df" targetNamespace="http://schemas.microsoft.com/office/2006/metadata/properties" ma:root="true" ma:fieldsID="54066b4107bc7e24724af96c9ac5d664" ns3:_="">
     <xsd:import namespace="ca2d2b93-6fe1-4327-ad17-9a40d88b17df"/>
@@ -12326,22 +12341,31 @@
 </ct:contentTypeSchema>
 </file>
 
-<file path=customXml/item2.xml><?xml version="1.0" encoding="utf-8"?>
-<?mso-contentType ?>
-<FormTemplates xmlns="http://schemas.microsoft.com/sharepoint/v3/contenttype/forms">
-  <Display>DocumentLibraryForm</Display>
-  <Edit>DocumentLibraryForm</Edit>
-  <New>DocumentLibraryForm</New>
-</FormTemplates>
+<file path=customXml/itemProps1.xml><?xml version="1.0" encoding="utf-8"?>
+<ds:datastoreItem xmlns:ds="http://schemas.openxmlformats.org/officeDocument/2006/customXml" ds:itemID="{37A863AD-4956-4038-B11A-EFA2B9BC820F}">
+  <ds:schemaRefs>
+    <ds:schemaRef ds:uri="http://purl.org/dc/terms/"/>
+    <ds:schemaRef ds:uri="http://schemas.openxmlformats.org/package/2006/metadata/core-properties"/>
+    <ds:schemaRef ds:uri="http://schemas.microsoft.com/office/2006/documentManagement/types"/>
+    <ds:schemaRef ds:uri="http://purl.org/dc/dcmitype/"/>
+    <ds:schemaRef ds:uri="ca2d2b93-6fe1-4327-ad17-9a40d88b17df"/>
+    <ds:schemaRef ds:uri="http://purl.org/dc/elements/1.1/"/>
+    <ds:schemaRef ds:uri="http://schemas.microsoft.com/office/2006/metadata/properties"/>
+    <ds:schemaRef ds:uri="http://schemas.microsoft.com/office/infopath/2007/PartnerControls"/>
+    <ds:schemaRef ds:uri="http://www.w3.org/XML/1998/namespace"/>
+  </ds:schemaRefs>
+</ds:datastoreItem>
 </file>
 
-<file path=customXml/item3.xml><?xml version="1.0" encoding="utf-8"?>
-<p:properties xmlns:p="http://schemas.microsoft.com/office/2006/metadata/properties" xmlns:xsi="http://www.w3.org/2001/XMLSchema-instance" xmlns:pc="http://schemas.microsoft.com/office/infopath/2007/PartnerControls">
-  <documentManagement/>
-</p:properties>
+<file path=customXml/itemProps2.xml><?xml version="1.0" encoding="utf-8"?>
+<ds:datastoreItem xmlns:ds="http://schemas.openxmlformats.org/officeDocument/2006/customXml" ds:itemID="{DF08595D-336C-4520-AF43-B480958AE951}">
+  <ds:schemaRefs>
+    <ds:schemaRef ds:uri="http://schemas.microsoft.com/sharepoint/v3/contenttype/forms"/>
+  </ds:schemaRefs>
+</ds:datastoreItem>
 </file>
 
-<file path=customXml/itemProps1.xml><?xml version="1.0" encoding="utf-8"?>
+<file path=customXml/itemProps3.xml><?xml version="1.0" encoding="utf-8"?>
 <ds:datastoreItem xmlns:ds="http://schemas.openxmlformats.org/officeDocument/2006/customXml" ds:itemID="{62733B25-2C5B-4D5E-B165-D8B8E70CA179}">
   <ds:schemaRefs>
     <ds:schemaRef ds:uri="http://schemas.microsoft.com/office/2006/metadata/contentType"/>
@@ -12357,28 +12381,4 @@
     <ds:schemaRef ds:uri="http://schemas.microsoft.com/internal/obd"/>
   </ds:schemaRefs>
 </ds:datastoreItem>
-</file>
-
-<file path=customXml/itemProps2.xml><?xml version="1.0" encoding="utf-8"?>
-<ds:datastoreItem xmlns:ds="http://schemas.openxmlformats.org/officeDocument/2006/customXml" ds:itemID="{DF08595D-336C-4520-AF43-B480958AE951}">
-  <ds:schemaRefs>
-    <ds:schemaRef ds:uri="http://schemas.microsoft.com/sharepoint/v3/contenttype/forms"/>
-  </ds:schemaRefs>
-</ds:datastoreItem>
-</file>
-
-<file path=customXml/itemProps3.xml><?xml version="1.0" encoding="utf-8"?>
-<ds:datastoreItem xmlns:ds="http://schemas.openxmlformats.org/officeDocument/2006/customXml" ds:itemID="{37A863AD-4956-4038-B11A-EFA2B9BC820F}">
-  <ds:schemaRefs>
-    <ds:schemaRef ds:uri="http://purl.org/dc/terms/"/>
-    <ds:schemaRef ds:uri="http://schemas.openxmlformats.org/package/2006/metadata/core-properties"/>
-    <ds:schemaRef ds:uri="http://schemas.microsoft.com/office/2006/documentManagement/types"/>
-    <ds:schemaRef ds:uri="http://purl.org/dc/dcmitype/"/>
-    <ds:schemaRef ds:uri="ca2d2b93-6fe1-4327-ad17-9a40d88b17df"/>
-    <ds:schemaRef ds:uri="http://purl.org/dc/elements/1.1/"/>
-    <ds:schemaRef ds:uri="http://schemas.microsoft.com/office/2006/metadata/properties"/>
-    <ds:schemaRef ds:uri="http://schemas.microsoft.com/office/infopath/2007/PartnerControls"/>
-    <ds:schemaRef ds:uri="http://www.w3.org/XML/1998/namespace"/>
-  </ds:schemaRefs>
-</ds:datastoreItem>
 </file>